--- a/Media/Presentation (2) (1).pptx
+++ b/Media/Presentation (2) (1).pptx
@@ -214,7 +214,7 @@
           <a:p>
             <a:fld id="{93FFD14A-4785-43BF-957C-FD3A9339A49C}" type="datetimeFigureOut">
               <a:rPr lang="en-US" smtClean="0"/>
-              <a:t>5/2/2022</a:t>
+              <a:t>5/3/2022</a:t>
             </a:fld>
             <a:endParaRPr lang="en-US"/>
           </a:p>
@@ -1018,7 +1018,7 @@
           <a:p>
             <a:fld id="{F7AFFB9B-9FB8-469E-96F9-4D32314110B6}" type="datetimeFigureOut">
               <a:rPr lang="en-US" dirty="0"/>
-              <a:t>5/2/2022</a:t>
+              <a:t>5/3/2022</a:t>
             </a:fld>
             <a:endParaRPr lang="en-US" dirty="0"/>
           </a:p>
@@ -1351,7 +1351,7 @@
           <a:p>
             <a:fld id="{341D2AC3-6A0B-4169-B1EA-E3AE8B351BDD}" type="datetimeFigureOut">
               <a:rPr lang="en-US" dirty="0"/>
-              <a:t>5/2/2022</a:t>
+              <a:t>5/3/2022</a:t>
             </a:fld>
             <a:endParaRPr lang="en-US" dirty="0"/>
           </a:p>
@@ -1547,7 +1547,7 @@
           <a:p>
             <a:fld id="{DD4B9363-8B87-41B7-9F8E-64519CBB8F34}" type="datetimeFigureOut">
               <a:rPr lang="en-US" dirty="0"/>
-              <a:t>5/2/2022</a:t>
+              <a:t>5/3/2022</a:t>
             </a:fld>
             <a:endParaRPr lang="en-US" dirty="0"/>
           </a:p>
@@ -1817,7 +1817,7 @@
           <a:p>
             <a:fld id="{EAEF5746-5284-4951-9F37-7AE924EDBCB7}" type="datetimeFigureOut">
               <a:rPr lang="en-US" dirty="0"/>
-              <a:t>5/2/2022</a:t>
+              <a:t>5/3/2022</a:t>
             </a:fld>
             <a:endParaRPr lang="en-US" dirty="0"/>
           </a:p>
@@ -2245,7 +2245,7 @@
           <a:p>
             <a:fld id="{02398B29-7265-4A65-A2A4-6703C057B7C1}" type="datetimeFigureOut">
               <a:rPr lang="en-US" dirty="0"/>
-              <a:t>5/2/2022</a:t>
+              <a:t>5/3/2022</a:t>
             </a:fld>
             <a:endParaRPr lang="en-US" dirty="0"/>
           </a:p>
@@ -2795,7 +2795,7 @@
           <a:p>
             <a:fld id="{28FBA082-94DF-4C4B-A041-6624924AB0A8}" type="datetimeFigureOut">
               <a:rPr lang="en-US" dirty="0"/>
-              <a:t>5/2/2022</a:t>
+              <a:t>5/3/2022</a:t>
             </a:fld>
             <a:endParaRPr lang="en-US" dirty="0"/>
           </a:p>
@@ -3585,7 +3585,7 @@
           <a:p>
             <a:fld id="{B27686C4-3AB5-4E0C-86CA-FB108C350AA9}" type="datetimeFigureOut">
               <a:rPr lang="en-US" dirty="0"/>
-              <a:t>5/2/2022</a:t>
+              <a:t>5/3/2022</a:t>
             </a:fld>
             <a:endParaRPr lang="en-US" dirty="0"/>
           </a:p>
@@ -3764,7 +3764,7 @@
           <a:p>
             <a:fld id="{49FF1211-4E0C-4AB3-B04F-585959BDAFE8}" type="datetimeFigureOut">
               <a:rPr lang="en-US" dirty="0"/>
-              <a:t>5/2/2022</a:t>
+              <a:t>5/3/2022</a:t>
             </a:fld>
             <a:endParaRPr lang="en-US" dirty="0"/>
           </a:p>
@@ -3948,7 +3948,7 @@
           <a:p>
             <a:fld id="{28BDECAF-D3BE-4069-9C78-642ECCD01477}" type="datetimeFigureOut">
               <a:rPr lang="en-US" dirty="0"/>
-              <a:t>5/2/2022</a:t>
+              <a:t>5/3/2022</a:t>
             </a:fld>
             <a:endParaRPr lang="en-US" dirty="0"/>
           </a:p>
@@ -4123,7 +4123,7 @@
           <a:p>
             <a:fld id="{8EFBDC27-E420-4878-9EE6-7B9656D6442A}" type="datetimeFigureOut">
               <a:rPr lang="en-US" dirty="0"/>
-              <a:t>5/2/2022</a:t>
+              <a:t>5/3/2022</a:t>
             </a:fld>
             <a:endParaRPr lang="en-US" dirty="0"/>
           </a:p>
@@ -4373,7 +4373,7 @@
           <a:p>
             <a:fld id="{0F7F47CF-67C9-420C-80A5-E2069FF0C2DF}" type="datetimeFigureOut">
               <a:rPr lang="en-US" dirty="0"/>
-              <a:t>5/2/2022</a:t>
+              <a:t>5/3/2022</a:t>
             </a:fld>
             <a:endParaRPr lang="en-US" dirty="0"/>
           </a:p>
@@ -4610,7 +4610,7 @@
           <a:p>
             <a:fld id="{AE22DC73-F065-42F5-A9F2-D90B2E42A0B3}" type="datetimeFigureOut">
               <a:rPr lang="en-US" dirty="0"/>
-              <a:t>5/2/2022</a:t>
+              <a:t>5/3/2022</a:t>
             </a:fld>
             <a:endParaRPr lang="en-US" dirty="0"/>
           </a:p>
@@ -4995,7 +4995,7 @@
           <a:p>
             <a:fld id="{76BEA702-9B29-41CC-9BCC-3DF8A0D379FE}" type="datetimeFigureOut">
               <a:rPr lang="en-US" dirty="0"/>
-              <a:t>5/2/2022</a:t>
+              <a:t>5/3/2022</a:t>
             </a:fld>
             <a:endParaRPr lang="en-US" dirty="0"/>
           </a:p>
@@ -5113,7 +5113,7 @@
           <a:p>
             <a:fld id="{097649AC-CB8F-4FF1-9A34-5861C74DD0A7}" type="datetimeFigureOut">
               <a:rPr lang="en-US" dirty="0"/>
-              <a:t>5/2/2022</a:t>
+              <a:t>5/3/2022</a:t>
             </a:fld>
             <a:endParaRPr lang="en-US" dirty="0"/>
           </a:p>
@@ -5208,7 +5208,7 @@
           <a:p>
             <a:fld id="{3EC5CECA-2D3A-4680-9B49-752200DE467C}" type="datetimeFigureOut">
               <a:rPr lang="en-US" dirty="0"/>
-              <a:t>5/2/2022</a:t>
+              <a:t>5/3/2022</a:t>
             </a:fld>
             <a:endParaRPr lang="en-US" dirty="0"/>
           </a:p>
@@ -5461,7 +5461,7 @@
           <a:p>
             <a:fld id="{50C3BFE2-83B7-4B0A-B9D3-AB28331082B3}" type="datetimeFigureOut">
               <a:rPr lang="en-US" dirty="0"/>
-              <a:t>5/2/2022</a:t>
+              <a:t>5/3/2022</a:t>
             </a:fld>
             <a:endParaRPr lang="en-US" dirty="0"/>
           </a:p>
@@ -5730,7 +5730,7 @@
           <a:p>
             <a:fld id="{12EF78E3-FDA3-4D28-AAA2-0B81F349A39D}" type="datetimeFigureOut">
               <a:rPr lang="en-US" dirty="0"/>
-              <a:t>5/2/2022</a:t>
+              <a:t>5/3/2022</a:t>
             </a:fld>
             <a:endParaRPr lang="en-US" dirty="0"/>
           </a:p>
@@ -6133,7 +6133,7 @@
           <a:p>
             <a:fld id="{C35BB1C6-BF8F-4481-8AB2-603A1C8A906A}" type="datetimeFigureOut">
               <a:rPr lang="en-US" dirty="0"/>
-              <a:t>5/2/2022</a:t>
+              <a:t>5/3/2022</a:t>
             </a:fld>
             <a:endParaRPr lang="en-US" dirty="0"/>
           </a:p>
@@ -7248,7 +7248,7 @@
           <a:graphicData uri="http://schemas.openxmlformats.org/presentationml/2006/ole">
             <mc:AlternateContent xmlns:mc="http://schemas.openxmlformats.org/markup-compatibility/2006">
               <mc:Choice xmlns:v="urn:schemas-microsoft-com:vml" Requires="v">
-                <p:oleObj spid="_x0000_s1025" name="Packager Shell Object" showAsIcon="1" r:id="rId3" imgW="1811880" imgH="427680" progId="Package">
+                <p:oleObj spid="_x0000_s1034" name="Packager Shell Object" showAsIcon="1" r:id="rId3" imgW="1811880" imgH="427680" progId="Package">
                   <p:embed/>
                 </p:oleObj>
               </mc:Choice>
@@ -7317,7 +7317,7 @@
           <a:graphicData uri="http://schemas.openxmlformats.org/presentationml/2006/ole">
             <mc:AlternateContent xmlns:mc="http://schemas.openxmlformats.org/markup-compatibility/2006">
               <mc:Choice xmlns:v="urn:schemas-microsoft-com:vml" Requires="v">
-                <p:oleObj spid="_x0000_s1026" name="Packager Shell Object" showAsIcon="1" r:id="rId5" imgW="684360" imgH="427680" progId="Package">
+                <p:oleObj spid="_x0000_s1035" name="Packager Shell Object" showAsIcon="1" r:id="rId5" imgW="684360" imgH="427680" progId="Package">
                   <p:embed/>
                 </p:oleObj>
               </mc:Choice>
@@ -7386,7 +7386,7 @@
           <a:graphicData uri="http://schemas.openxmlformats.org/presentationml/2006/ole">
             <mc:AlternateContent xmlns:mc="http://schemas.openxmlformats.org/markup-compatibility/2006">
               <mc:Choice xmlns:v="urn:schemas-microsoft-com:vml" Requires="v">
-                <p:oleObj spid="_x0000_s1027" name="Packager Shell Object" showAsIcon="1" r:id="rId7" imgW="864720" imgH="427680" progId="Package">
+                <p:oleObj spid="_x0000_s1036" name="Packager Shell Object" showAsIcon="1" r:id="rId7" imgW="864720" imgH="427680" progId="Package">
                   <p:embed/>
                 </p:oleObj>
               </mc:Choice>
@@ -9202,9 +9202,49 @@
           </a:xfrm>
         </p:spPr>
         <p:txBody>
-          <a:bodyPr/>
-          <a:lstStyle/>
-          <a:p>
+          <a:bodyPr>
+            <a:normAutofit/>
+          </a:bodyPr>
+          <a:lstStyle/>
+          <a:p>
+            <a:r>
+              <a:rPr lang="en-US" sz="1800" dirty="0">
+                <a:latin typeface="Gabriola" pitchFamily="82" charset="0"/>
+              </a:rPr>
+              <a:t>Currently employed as a  Student support Specialist</a:t>
+            </a:r>
+          </a:p>
+          <a:p>
+            <a:r>
+              <a:rPr lang="en-US" sz="1800" dirty="0">
+                <a:latin typeface="Gabriola" pitchFamily="82" charset="0"/>
+              </a:rPr>
+              <a:t>Employment background: Post secondary Education, Data Management</a:t>
+            </a:r>
+          </a:p>
+          <a:p>
+            <a:r>
+              <a:rPr lang="en-US" sz="1800" dirty="0">
+                <a:latin typeface="Gabriola" pitchFamily="82" charset="0"/>
+              </a:rPr>
+              <a:t>Strengths: R studio, SQL, Python</a:t>
+            </a:r>
+            <a:endParaRPr lang="en-US" sz="1800" dirty="0">
+              <a:effectLst/>
+              <a:latin typeface="Gabriola" pitchFamily="82" charset="0"/>
+              <a:ea typeface="Calibri" panose="020F0502020204030204" pitchFamily="34" charset="0"/>
+              <a:cs typeface="Times New Roman" panose="02020603050405020304" pitchFamily="18" charset="0"/>
+            </a:endParaRPr>
+          </a:p>
+          <a:p>
+            <a:r>
+              <a:rPr lang="en-US" sz="1800" dirty="0">
+                <a:latin typeface="Gabriola" pitchFamily="82" charset="0"/>
+                <a:ea typeface="Calibri" panose="020F0502020204030204" pitchFamily="34" charset="0"/>
+                <a:cs typeface="Times New Roman" panose="02020603050405020304" pitchFamily="18" charset="0"/>
+              </a:rPr>
+              <a:t>Hobbies: </a:t>
+            </a:r>
             <a:r>
               <a:rPr lang="en-US" sz="1800" dirty="0">
                 <a:effectLst/>
@@ -9212,27 +9252,24 @@
                 <a:ea typeface="Calibri" panose="020F0502020204030204" pitchFamily="34" charset="0"/>
                 <a:cs typeface="Times New Roman" panose="02020603050405020304" pitchFamily="18" charset="0"/>
               </a:rPr>
-              <a:t>Tenisha studied Computer Information Systems with a focus in Database Administration and over the past five years has tutored at a Junior College in Chicago sharing her knowledge about basic computer skills to the foundation and basic concepts of programming languages and transforming that information into the simplest terms. </a:t>
+              <a:t>enjoys museums, music, cinematography and theatre and dissection discussions about the arts as well as catching natures first blooms.</a:t>
             </a:r>
           </a:p>
           <a:p>
             <a:r>
               <a:rPr lang="en-US" sz="1800" dirty="0">
                 <a:latin typeface="Gabriola" pitchFamily="82" charset="0"/>
-                <a:ea typeface="Calibri" panose="020F0502020204030204" pitchFamily="34" charset="0"/>
-                <a:cs typeface="Times New Roman" panose="02020603050405020304" pitchFamily="18" charset="0"/>
-              </a:rPr>
-              <a:t>Hobbies: </a:t>
-            </a:r>
-            <a:r>
-              <a:rPr lang="en-US" sz="1800" dirty="0">
-                <a:effectLst/>
-                <a:latin typeface="Gabriola" pitchFamily="82" charset="0"/>
-                <a:ea typeface="Calibri" panose="020F0502020204030204" pitchFamily="34" charset="0"/>
-                <a:cs typeface="Times New Roman" panose="02020603050405020304" pitchFamily="18" charset="0"/>
-              </a:rPr>
-              <a:t>enjoys museums, music, cinematography and theatre and dissection discussions about the arts as well as catching natures first blooms.</a:t>
-            </a:r>
+              </a:rPr>
+              <a:t>Interesting fact: I Met former President Clinton and Shared readings from my favorite book at the time “Bridge to Terabithia”</a:t>
+            </a:r>
+          </a:p>
+          <a:p>
+            <a:endParaRPr lang="en-US" sz="1800" dirty="0">
+              <a:effectLst/>
+              <a:latin typeface="Gabriola" pitchFamily="82" charset="0"/>
+              <a:ea typeface="Calibri" panose="020F0502020204030204" pitchFamily="34" charset="0"/>
+              <a:cs typeface="Times New Roman" panose="02020603050405020304" pitchFamily="18" charset="0"/>
+            </a:endParaRPr>
           </a:p>
           <a:p>
             <a:endParaRPr lang="en-US" dirty="0"/>
@@ -9253,16 +9290,15 @@
           </p:cNvPicPr>
           <p:nvPr/>
         </p:nvPicPr>
-        <p:blipFill>
+        <p:blipFill rotWithShape="1">
           <a:blip r:embed="rId2"/>
-          <a:stretch>
-            <a:fillRect/>
-          </a:stretch>
+          <a:srcRect l="21758" t="-1" r="16387" b="45"/>
+          <a:stretch/>
         </p:blipFill>
         <p:spPr>
           <a:xfrm>
-            <a:off x="8322499" y="1772653"/>
-            <a:ext cx="3301132" cy="3312694"/>
+            <a:off x="9040761" y="1772653"/>
+            <a:ext cx="2041922" cy="3311189"/>
           </a:xfrm>
           <a:prstGeom prst="rect">
             <a:avLst/>
